--- a/kishan.pptx
+++ b/kishan.pptx
@@ -286,7 +286,7 @@
           <a:p>
             <a:fld id="{538506C9-DCE3-40BD-B2B5-08A43B4DD780}" type="datetimeFigureOut">
               <a:rPr lang="en-IN" smtClean="0"/>
-              <a:t>07-10-2022</a:t>
+              <a:t>13-10-2022</a:t>
             </a:fld>
             <a:endParaRPr lang="en-IN"/>
           </a:p>
@@ -497,7 +497,7 @@
           <a:p>
             <a:fld id="{538506C9-DCE3-40BD-B2B5-08A43B4DD780}" type="datetimeFigureOut">
               <a:rPr lang="en-IN" smtClean="0"/>
-              <a:t>07-10-2022</a:t>
+              <a:t>13-10-2022</a:t>
             </a:fld>
             <a:endParaRPr lang="en-IN"/>
           </a:p>
@@ -712,7 +712,7 @@
           <a:p>
             <a:fld id="{538506C9-DCE3-40BD-B2B5-08A43B4DD780}" type="datetimeFigureOut">
               <a:rPr lang="en-IN" smtClean="0"/>
-              <a:t>07-10-2022</a:t>
+              <a:t>13-10-2022</a:t>
             </a:fld>
             <a:endParaRPr lang="en-IN"/>
           </a:p>
@@ -913,7 +913,7 @@
           <a:p>
             <a:fld id="{538506C9-DCE3-40BD-B2B5-08A43B4DD780}" type="datetimeFigureOut">
               <a:rPr lang="en-IN" smtClean="0"/>
-              <a:t>07-10-2022</a:t>
+              <a:t>13-10-2022</a:t>
             </a:fld>
             <a:endParaRPr lang="en-IN"/>
           </a:p>
@@ -1192,7 +1192,7 @@
           <a:p>
             <a:fld id="{538506C9-DCE3-40BD-B2B5-08A43B4DD780}" type="datetimeFigureOut">
               <a:rPr lang="en-IN" smtClean="0"/>
-              <a:t>07-10-2022</a:t>
+              <a:t>13-10-2022</a:t>
             </a:fld>
             <a:endParaRPr lang="en-IN"/>
           </a:p>
@@ -1460,7 +1460,7 @@
           <a:p>
             <a:fld id="{538506C9-DCE3-40BD-B2B5-08A43B4DD780}" type="datetimeFigureOut">
               <a:rPr lang="en-IN" smtClean="0"/>
-              <a:t>07-10-2022</a:t>
+              <a:t>13-10-2022</a:t>
             </a:fld>
             <a:endParaRPr lang="en-IN"/>
           </a:p>
@@ -1876,7 +1876,7 @@
           <a:p>
             <a:fld id="{538506C9-DCE3-40BD-B2B5-08A43B4DD780}" type="datetimeFigureOut">
               <a:rPr lang="en-IN" smtClean="0"/>
-              <a:t>07-10-2022</a:t>
+              <a:t>13-10-2022</a:t>
             </a:fld>
             <a:endParaRPr lang="en-IN"/>
           </a:p>
@@ -2025,7 +2025,7 @@
           <a:p>
             <a:fld id="{538506C9-DCE3-40BD-B2B5-08A43B4DD780}" type="datetimeFigureOut">
               <a:rPr lang="en-IN" smtClean="0"/>
-              <a:t>07-10-2022</a:t>
+              <a:t>13-10-2022</a:t>
             </a:fld>
             <a:endParaRPr lang="en-IN"/>
           </a:p>
@@ -2151,7 +2151,7 @@
           <a:p>
             <a:fld id="{538506C9-DCE3-40BD-B2B5-08A43B4DD780}" type="datetimeFigureOut">
               <a:rPr lang="en-IN" smtClean="0"/>
-              <a:t>07-10-2022</a:t>
+              <a:t>13-10-2022</a:t>
             </a:fld>
             <a:endParaRPr lang="en-IN"/>
           </a:p>
@@ -2402,7 +2402,7 @@
           <a:p>
             <a:fld id="{538506C9-DCE3-40BD-B2B5-08A43B4DD780}" type="datetimeFigureOut">
               <a:rPr lang="en-IN" smtClean="0"/>
-              <a:t>07-10-2022</a:t>
+              <a:t>13-10-2022</a:t>
             </a:fld>
             <a:endParaRPr lang="en-IN"/>
           </a:p>
@@ -2847,7 +2847,7 @@
           <a:p>
             <a:fld id="{538506C9-DCE3-40BD-B2B5-08A43B4DD780}" type="datetimeFigureOut">
               <a:rPr lang="en-IN" smtClean="0"/>
-              <a:t>07-10-2022</a:t>
+              <a:t>13-10-2022</a:t>
             </a:fld>
             <a:endParaRPr lang="en-IN"/>
           </a:p>
@@ -3174,7 +3174,7 @@
           <a:p>
             <a:fld id="{538506C9-DCE3-40BD-B2B5-08A43B4DD780}" type="datetimeFigureOut">
               <a:rPr lang="en-IN" smtClean="0"/>
-              <a:t>07-10-2022</a:t>
+              <a:t>13-10-2022</a:t>
             </a:fld>
             <a:endParaRPr lang="en-IN"/>
           </a:p>
@@ -3988,7 +3988,7 @@
         </p:nvSpPr>
         <p:spPr>
           <a:xfrm>
-            <a:off x="8605520" y="3139440"/>
+            <a:off x="8605520" y="3119120"/>
             <a:ext cx="1920240" cy="1544320"/>
           </a:xfrm>
           <a:prstGeom prst="ellipse">
@@ -4298,7 +4298,7 @@
           <a:p>
             <a:r>
               <a:rPr lang="en-IN" dirty="0"/>
-              <a:t>Order  conform </a:t>
+              <a:t>Order  confirm </a:t>
             </a:r>
           </a:p>
         </p:txBody>
@@ -4333,7 +4333,7 @@
           <a:p>
             <a:r>
               <a:rPr lang="en-IN" dirty="0"/>
-              <a:t>Order  conform </a:t>
+              <a:t>Order  confirm </a:t>
             </a:r>
           </a:p>
         </p:txBody>
@@ -4428,11 +4428,13 @@
         </p:nvSpPr>
         <p:spPr/>
         <p:txBody>
-          <a:bodyPr/>
-          <a:lstStyle/>
-          <a:p>
-            <a:r>
-              <a:rPr lang="en-IN" dirty="0">
+          <a:bodyPr>
+            <a:normAutofit/>
+          </a:bodyPr>
+          <a:lstStyle/>
+          <a:p>
+            <a:r>
+              <a:rPr lang="en-IN" sz="2400" dirty="0">
                 <a:latin typeface="Times New Roman" panose="02020603050405020304" pitchFamily="18" charset="0"/>
                 <a:cs typeface="Times New Roman" panose="02020603050405020304" pitchFamily="18" charset="0"/>
               </a:rPr>
@@ -4441,16 +4443,16 @@
           </a:p>
           <a:p>
             <a:r>
-              <a:rPr lang="en-IN" dirty="0">
+              <a:rPr lang="en-IN" sz="2400" dirty="0">
                 <a:latin typeface="Times New Roman" panose="02020603050405020304" pitchFamily="18" charset="0"/>
                 <a:cs typeface="Times New Roman" panose="02020603050405020304" pitchFamily="18" charset="0"/>
               </a:rPr>
-              <a:t>Compere the  cost.</a:t>
-            </a:r>
-          </a:p>
-          <a:p>
-            <a:r>
-              <a:rPr lang="en-IN" dirty="0">
+              <a:t>Compare the  cost.</a:t>
+            </a:r>
+          </a:p>
+          <a:p>
+            <a:r>
+              <a:rPr lang="en-IN" sz="2400" dirty="0">
                 <a:latin typeface="Times New Roman" panose="02020603050405020304" pitchFamily="18" charset="0"/>
                 <a:cs typeface="Times New Roman" panose="02020603050405020304" pitchFamily="18" charset="0"/>
               </a:rPr>
@@ -4459,7 +4461,7 @@
           </a:p>
           <a:p>
             <a:r>
-              <a:rPr lang="en-IN" dirty="0">
+              <a:rPr lang="en-IN" sz="2400" dirty="0">
                 <a:latin typeface="Times New Roman" panose="02020603050405020304" pitchFamily="18" charset="0"/>
                 <a:cs typeface="Times New Roman" panose="02020603050405020304" pitchFamily="18" charset="0"/>
               </a:rPr>
@@ -4468,8 +4470,12 @@
           </a:p>
           <a:p>
             <a:r>
-              <a:rPr lang="en-IN" dirty="0"/>
-              <a:t>Avoid the human resource. </a:t>
+              <a:rPr lang="en-IN" sz="2400"/>
+              <a:t> Avoid the </a:t>
+            </a:r>
+            <a:r>
+              <a:rPr lang="en-IN" sz="2400" dirty="0"/>
+              <a:t>human resource. </a:t>
             </a:r>
           </a:p>
         </p:txBody>
@@ -4591,19 +4597,7 @@
               <a:rPr lang="en-IN" sz="2400" b="1" dirty="0">
                 <a:latin typeface="Adobe Garamond Pro" panose="02020502060506020403" pitchFamily="18" charset="0"/>
               </a:rPr>
-              <a:t>In future we can also add the agriculture tool  so that farmers can </a:t>
-            </a:r>
-            <a:r>
-              <a:rPr lang="en-IN" sz="2400" b="1" dirty="0" err="1">
-                <a:latin typeface="Adobe Garamond Pro" panose="02020502060506020403" pitchFamily="18" charset="0"/>
-              </a:rPr>
-              <a:t>essally</a:t>
-            </a:r>
-            <a:r>
-              <a:rPr lang="en-IN" sz="2400" b="1" dirty="0">
-                <a:latin typeface="Adobe Garamond Pro" panose="02020502060506020403" pitchFamily="18" charset="0"/>
-              </a:rPr>
-              <a:t> perches the tool in good cost.</a:t>
+              <a:t>In future we can also add the agriculture tool  so that farmers can easily purchase the tool in good cost.</a:t>
             </a:r>
           </a:p>
         </p:txBody>
@@ -4735,7 +4729,7 @@
               <a:t>nt</a:t>
             </a:r>
             <a:r>
-              <a:rPr lang="en-US" sz="2000" b="0" i="0" dirty="0">
+              <a:rPr lang="en-US" b="0" i="0" dirty="0">
                 <a:effectLst/>
                 <a:latin typeface="Adobe Garamond Pro Bold" panose="02020702060506020403" pitchFamily="18" charset="0"/>
               </a:rPr>
@@ -5664,7 +5658,7 @@
               <a:rPr lang="en-IN" sz="2400" dirty="0">
                 <a:latin typeface="Adobe Garamond Pro Bold" panose="02020702060506020403" pitchFamily="18" charset="0"/>
               </a:rPr>
-              <a:t>By this project, our purpose to make framer more independent and also have a choose to compare the fertilizer &amp; pesticide  of different companies, and also compare the cost of it.</a:t>
+              <a:t>By this project, our purpose to make farmer more independent and also have a choice to compare the fertilizer &amp; pesticide  of different companies, and also compare the cost of it.</a:t>
             </a:r>
           </a:p>
         </p:txBody>
@@ -5781,7 +5775,7 @@
               <a:rPr lang="en-IN" sz="2400" dirty="0">
                 <a:latin typeface="Adobe Garamond Pro Bold" panose="02020702060506020403" pitchFamily="18" charset="0"/>
               </a:rPr>
-              <a:t>Not have a choose to compare the pesticides and fertilizer.</a:t>
+              <a:t>Not have a choice to compare the pesticides and fertilizer.</a:t>
             </a:r>
           </a:p>
           <a:p>
@@ -5914,7 +5908,7 @@
               <a:rPr lang="en-IN" sz="2400" dirty="0">
                 <a:latin typeface="Adobe Garamond Pro Bold" panose="02020702060506020403" pitchFamily="18" charset="0"/>
               </a:rPr>
-              <a:t>They essay search the fertilizer &amp; pesticide which the require .</a:t>
+              <a:t>They easily search the fertilizer &amp; pesticide which the require .</a:t>
             </a:r>
           </a:p>
           <a:p>
@@ -5926,7 +5920,7 @@
               <a:rPr lang="en-IN" sz="2400" dirty="0">
                 <a:latin typeface="Adobe Garamond Pro Bold" panose="02020702060506020403" pitchFamily="18" charset="0"/>
               </a:rPr>
-              <a:t> They have more  companies to compare qualities , prise and quantity of fertilizer &amp; pesticide. </a:t>
+              <a:t> They have more  companies to compare qualities , price and quantity of fertilizer &amp; pesticide. </a:t>
             </a:r>
           </a:p>
           <a:p>
@@ -6061,7 +6055,7 @@
           <a:p>
             <a:r>
               <a:rPr lang="en-IN" dirty="0"/>
-              <a:t>This application allow you to perches the </a:t>
+              <a:t>This application allow you to purchases the </a:t>
             </a:r>
             <a:r>
               <a:rPr lang="en-IN" sz="1800" kern="1200" dirty="0">
@@ -6237,16 +6231,10 @@
               <a:buChar char="Ø"/>
             </a:pPr>
             <a:r>
-              <a:rPr lang="en-IN" sz="2400" dirty="0" err="1">
-                <a:latin typeface="Adobe Garamond Pro Bold" panose="02020702060506020403" pitchFamily="18" charset="0"/>
-              </a:rPr>
-              <a:t>Andoid</a:t>
-            </a:r>
-            <a:r>
               <a:rPr lang="en-IN" sz="2400" dirty="0">
                 <a:latin typeface="Adobe Garamond Pro Bold" panose="02020702060506020403" pitchFamily="18" charset="0"/>
               </a:rPr>
-              <a:t> Studio 2021.0.1</a:t>
+              <a:t>Android Studio 2021.0.1</a:t>
             </a:r>
           </a:p>
           <a:p>
@@ -7514,7 +7502,7 @@
                 </a:solidFill>
                 <a:latin typeface="Adobe Caslon Pro Bold" panose="0205070206050A020403" pitchFamily="18" charset="0"/>
               </a:rPr>
-              <a:t>lintel</a:t>
+              <a:t>mushroom</a:t>
             </a:r>
           </a:p>
         </p:txBody>
